--- a/lecture2/files/lecture2.pptx
+++ b/lecture2/files/lecture2.pptx
@@ -211,7 +211,7 @@
           <a:p>
             <a:fld id="{58CAF9CE-63EC-F248-83C1-6CFC19F09642}" type="datetimeFigureOut">
               <a:rPr lang="en-US" smtClean="0"/>
-              <a:t>1/18/21</a:t>
+              <a:t>1/20/21</a:t>
             </a:fld>
             <a:endParaRPr lang="en-US"/>
           </a:p>
@@ -376,7 +376,7 @@
           <a:p>
             <a:fld id="{A107AC37-83E6-F24C-BCB7-3CFC6BD00A35}" type="datetimeFigureOut">
               <a:rPr lang="en-US" smtClean="0"/>
-              <a:t>1/18/21</a:t>
+              <a:t>1/20/21</a:t>
             </a:fld>
             <a:endParaRPr lang="en-US"/>
           </a:p>
@@ -1772,7 +1772,7 @@
         <p:spPr>
           <a:xfrm>
             <a:off x="23459716" y="11236005"/>
-            <a:ext cx="21517333" cy="9848850"/>
+            <a:ext cx="21517333" cy="8617744"/>
           </a:xfrm>
           <a:prstGeom prst="rect">
             <a:avLst/>
@@ -1850,22 +1850,6 @@
                 <a:cs typeface="Arial"/>
               </a:rPr>
               <a:t>Dynamics of the Solow model</a:t>
-            </a:r>
-          </a:p>
-          <a:p>
-            <a:pPr marL="1143000" indent="-1143000">
-              <a:buFont typeface="Arial" panose="020B0604020202020204" pitchFamily="34" charset="0"/>
-              <a:buChar char="•"/>
-            </a:pPr>
-            <a:r>
-              <a:rPr lang="en-GB" sz="8000" b="1" dirty="0">
-                <a:solidFill>
-                  <a:schemeClr val="bg1"/>
-                </a:solidFill>
-                <a:latin typeface="Arial"/>
-                <a:cs typeface="Arial"/>
-              </a:rPr>
-              <a:t>Convergence and the steady state</a:t>
             </a:r>
           </a:p>
           <a:p>
